--- a/icons/icons.pptx
+++ b/icons/icons.pptx
@@ -6,6 +6,7 @@
   </p:sldMasterIdLst>
   <p:sldIdLst>
     <p:sldId id="256" r:id="rId2"/>
+    <p:sldId id="257" r:id="rId3"/>
   </p:sldIdLst>
   <p:sldSz cx="12192000" cy="6858000"/>
   <p:notesSz cx="6858000" cy="9144000"/>
@@ -104,6 +105,11 @@
       </a:defRPr>
     </a:lvl9pPr>
   </p:defaultTextStyle>
+  <p:extLst>
+    <p:ext uri="{EFAFB233-063F-42B5-8137-9DF3F51BA10A}">
+      <p15:sldGuideLst xmlns:p15="http://schemas.microsoft.com/office/powerpoint/2012/main"/>
+    </p:ext>
+  </p:extLst>
 </p:presentation>
 </file>
 
@@ -238,7 +244,7 @@
           <a:p>
             <a:fld id="{4C691D5D-0F42-4357-857A-9A2AF315E1F8}" type="datetimeFigureOut">
               <a:rPr lang="de-DE" smtClean="0"/>
-              <a:t>17.10.2019</a:t>
+              <a:t>26.02.2020</a:t>
             </a:fld>
             <a:endParaRPr lang="de-DE"/>
           </a:p>
@@ -408,7 +414,7 @@
           <a:p>
             <a:fld id="{4C691D5D-0F42-4357-857A-9A2AF315E1F8}" type="datetimeFigureOut">
               <a:rPr lang="de-DE" smtClean="0"/>
-              <a:t>17.10.2019</a:t>
+              <a:t>26.02.2020</a:t>
             </a:fld>
             <a:endParaRPr lang="de-DE"/>
           </a:p>
@@ -588,7 +594,7 @@
           <a:p>
             <a:fld id="{4C691D5D-0F42-4357-857A-9A2AF315E1F8}" type="datetimeFigureOut">
               <a:rPr lang="de-DE" smtClean="0"/>
-              <a:t>17.10.2019</a:t>
+              <a:t>26.02.2020</a:t>
             </a:fld>
             <a:endParaRPr lang="de-DE"/>
           </a:p>
@@ -758,7 +764,7 @@
           <a:p>
             <a:fld id="{4C691D5D-0F42-4357-857A-9A2AF315E1F8}" type="datetimeFigureOut">
               <a:rPr lang="de-DE" smtClean="0"/>
-              <a:t>17.10.2019</a:t>
+              <a:t>26.02.2020</a:t>
             </a:fld>
             <a:endParaRPr lang="de-DE"/>
           </a:p>
@@ -1004,7 +1010,7 @@
           <a:p>
             <a:fld id="{4C691D5D-0F42-4357-857A-9A2AF315E1F8}" type="datetimeFigureOut">
               <a:rPr lang="de-DE" smtClean="0"/>
-              <a:t>17.10.2019</a:t>
+              <a:t>26.02.2020</a:t>
             </a:fld>
             <a:endParaRPr lang="de-DE"/>
           </a:p>
@@ -1236,7 +1242,7 @@
           <a:p>
             <a:fld id="{4C691D5D-0F42-4357-857A-9A2AF315E1F8}" type="datetimeFigureOut">
               <a:rPr lang="de-DE" smtClean="0"/>
-              <a:t>17.10.2019</a:t>
+              <a:t>26.02.2020</a:t>
             </a:fld>
             <a:endParaRPr lang="de-DE"/>
           </a:p>
@@ -1603,7 +1609,7 @@
           <a:p>
             <a:fld id="{4C691D5D-0F42-4357-857A-9A2AF315E1F8}" type="datetimeFigureOut">
               <a:rPr lang="de-DE" smtClean="0"/>
-              <a:t>17.10.2019</a:t>
+              <a:t>26.02.2020</a:t>
             </a:fld>
             <a:endParaRPr lang="de-DE"/>
           </a:p>
@@ -1721,7 +1727,7 @@
           <a:p>
             <a:fld id="{4C691D5D-0F42-4357-857A-9A2AF315E1F8}" type="datetimeFigureOut">
               <a:rPr lang="de-DE" smtClean="0"/>
-              <a:t>17.10.2019</a:t>
+              <a:t>26.02.2020</a:t>
             </a:fld>
             <a:endParaRPr lang="de-DE"/>
           </a:p>
@@ -1816,7 +1822,7 @@
           <a:p>
             <a:fld id="{4C691D5D-0F42-4357-857A-9A2AF315E1F8}" type="datetimeFigureOut">
               <a:rPr lang="de-DE" smtClean="0"/>
-              <a:t>17.10.2019</a:t>
+              <a:t>26.02.2020</a:t>
             </a:fld>
             <a:endParaRPr lang="de-DE"/>
           </a:p>
@@ -2093,7 +2099,7 @@
           <a:p>
             <a:fld id="{4C691D5D-0F42-4357-857A-9A2AF315E1F8}" type="datetimeFigureOut">
               <a:rPr lang="de-DE" smtClean="0"/>
-              <a:t>17.10.2019</a:t>
+              <a:t>26.02.2020</a:t>
             </a:fld>
             <a:endParaRPr lang="de-DE"/>
           </a:p>
@@ -2346,7 +2352,7 @@
           <a:p>
             <a:fld id="{4C691D5D-0F42-4357-857A-9A2AF315E1F8}" type="datetimeFigureOut">
               <a:rPr lang="de-DE" smtClean="0"/>
-              <a:t>17.10.2019</a:t>
+              <a:t>26.02.2020</a:t>
             </a:fld>
             <a:endParaRPr lang="de-DE"/>
           </a:p>
@@ -2559,7 +2565,7 @@
           <a:p>
             <a:fld id="{4C691D5D-0F42-4357-857A-9A2AF315E1F8}" type="datetimeFigureOut">
               <a:rPr lang="de-DE" smtClean="0"/>
-              <a:t>17.10.2019</a:t>
+              <a:t>26.02.2020</a:t>
             </a:fld>
             <a:endParaRPr lang="de-DE"/>
           </a:p>
@@ -2948,6 +2954,1772 @@
 </file>
 
 <file path=ppt/slides/slide1.xml><?xml version="1.0" encoding="utf-8"?>
+<p:sld xmlns:a="http://schemas.openxmlformats.org/drawingml/2006/main" xmlns:r="http://schemas.openxmlformats.org/officeDocument/2006/relationships" xmlns:p="http://schemas.openxmlformats.org/presentationml/2006/main" showMasterSp="0">
+  <p:cSld>
+    <p:bg>
+      <p:bgPr>
+        <a:solidFill>
+          <a:schemeClr val="bg1">
+            <a:alpha val="0"/>
+          </a:schemeClr>
+        </a:solidFill>
+        <a:effectLst/>
+      </p:bgPr>
+    </p:bg>
+    <p:spTree>
+      <p:nvGrpSpPr>
+        <p:cNvPr id="1" name=""/>
+        <p:cNvGrpSpPr/>
+        <p:nvPr/>
+      </p:nvGrpSpPr>
+      <p:grpSpPr>
+        <a:xfrm>
+          <a:off x="0" y="0"/>
+          <a:ext cx="0" cy="0"/>
+          <a:chOff x="0" y="0"/>
+          <a:chExt cx="0" cy="0"/>
+        </a:xfrm>
+      </p:grpSpPr>
+      <p:sp>
+        <p:nvSpPr>
+          <p:cNvPr id="4" name="Abgerundetes Rechteck 3"/>
+          <p:cNvSpPr/>
+          <p:nvPr/>
+        </p:nvSpPr>
+        <p:spPr>
+          <a:xfrm>
+            <a:off x="2430379" y="1066800"/>
+            <a:ext cx="954505" cy="954505"/>
+          </a:xfrm>
+          <a:prstGeom prst="roundRect">
+            <a:avLst/>
+          </a:prstGeom>
+        </p:spPr>
+        <p:style>
+          <a:lnRef idx="2">
+            <a:schemeClr val="dk1">
+              <a:shade val="50000"/>
+            </a:schemeClr>
+          </a:lnRef>
+          <a:fillRef idx="1">
+            <a:schemeClr val="dk1"/>
+          </a:fillRef>
+          <a:effectRef idx="0">
+            <a:schemeClr val="dk1"/>
+          </a:effectRef>
+          <a:fontRef idx="minor">
+            <a:schemeClr val="lt1"/>
+          </a:fontRef>
+        </p:style>
+        <p:txBody>
+          <a:bodyPr rtlCol="0" anchor="ctr"/>
+          <a:lstStyle/>
+          <a:p>
+            <a:pPr algn="ctr"/>
+            <a:endParaRPr lang="de-DE"/>
+          </a:p>
+        </p:txBody>
+      </p:sp>
+      <p:sp>
+        <p:nvSpPr>
+          <p:cNvPr id="5" name="Rechteck 4"/>
+          <p:cNvSpPr/>
+          <p:nvPr/>
+        </p:nvSpPr>
+        <p:spPr>
+          <a:xfrm>
+            <a:off x="2498556" y="1544052"/>
+            <a:ext cx="818148" cy="393032"/>
+          </a:xfrm>
+          <a:prstGeom prst="rect">
+            <a:avLst/>
+          </a:prstGeom>
+          <a:solidFill>
+            <a:schemeClr val="bg1"/>
+          </a:solidFill>
+          <a:ln>
+            <a:solidFill>
+              <a:schemeClr val="tx1"/>
+            </a:solidFill>
+          </a:ln>
+        </p:spPr>
+        <p:style>
+          <a:lnRef idx="2">
+            <a:schemeClr val="accent1">
+              <a:shade val="50000"/>
+            </a:schemeClr>
+          </a:lnRef>
+          <a:fillRef idx="1">
+            <a:schemeClr val="accent1"/>
+          </a:fillRef>
+          <a:effectRef idx="0">
+            <a:schemeClr val="accent1"/>
+          </a:effectRef>
+          <a:fontRef idx="minor">
+            <a:schemeClr val="lt1"/>
+          </a:fontRef>
+        </p:style>
+        <p:txBody>
+          <a:bodyPr rtlCol="0" anchor="ctr"/>
+          <a:lstStyle/>
+          <a:p>
+            <a:pPr algn="ctr"/>
+            <a:r>
+              <a:rPr lang="de-DE" b="1" dirty="0" smtClean="0">
+                <a:solidFill>
+                  <a:schemeClr val="tx1"/>
+                </a:solidFill>
+                <a:latin typeface="Arial" panose="020B0604020202020204" pitchFamily="34" charset="0"/>
+                <a:cs typeface="Arial" panose="020B0604020202020204" pitchFamily="34" charset="0"/>
+              </a:rPr>
+              <a:t>PRO</a:t>
+            </a:r>
+            <a:endParaRPr lang="de-DE" b="1" dirty="0">
+              <a:solidFill>
+                <a:schemeClr val="tx1"/>
+              </a:solidFill>
+              <a:latin typeface="Arial" panose="020B0604020202020204" pitchFamily="34" charset="0"/>
+              <a:cs typeface="Arial" panose="020B0604020202020204" pitchFamily="34" charset="0"/>
+            </a:endParaRPr>
+          </a:p>
+        </p:txBody>
+      </p:sp>
+      <p:sp>
+        <p:nvSpPr>
+          <p:cNvPr id="6" name="Rechteck 5"/>
+          <p:cNvSpPr/>
+          <p:nvPr/>
+        </p:nvSpPr>
+        <p:spPr>
+          <a:xfrm>
+            <a:off x="2634913" y="1066800"/>
+            <a:ext cx="589549" cy="435142"/>
+          </a:xfrm>
+          <a:prstGeom prst="rect">
+            <a:avLst/>
+          </a:prstGeom>
+          <a:solidFill>
+            <a:schemeClr val="bg1"/>
+          </a:solidFill>
+          <a:ln>
+            <a:solidFill>
+              <a:schemeClr val="tx1"/>
+            </a:solidFill>
+          </a:ln>
+        </p:spPr>
+        <p:style>
+          <a:lnRef idx="2">
+            <a:schemeClr val="accent1">
+              <a:shade val="50000"/>
+            </a:schemeClr>
+          </a:lnRef>
+          <a:fillRef idx="1">
+            <a:schemeClr val="accent1"/>
+          </a:fillRef>
+          <a:effectRef idx="0">
+            <a:schemeClr val="accent1"/>
+          </a:effectRef>
+          <a:fontRef idx="minor">
+            <a:schemeClr val="lt1"/>
+          </a:fontRef>
+        </p:style>
+        <p:txBody>
+          <a:bodyPr rtlCol="0" anchor="ctr"/>
+          <a:lstStyle/>
+          <a:p>
+            <a:pPr algn="ctr"/>
+            <a:endParaRPr lang="de-DE"/>
+          </a:p>
+        </p:txBody>
+      </p:sp>
+      <p:sp>
+        <p:nvSpPr>
+          <p:cNvPr id="7" name="Rechteck 6"/>
+          <p:cNvSpPr/>
+          <p:nvPr/>
+        </p:nvSpPr>
+        <p:spPr>
+          <a:xfrm>
+            <a:off x="3060031" y="1123949"/>
+            <a:ext cx="120315" cy="320842"/>
+          </a:xfrm>
+          <a:prstGeom prst="rect">
+            <a:avLst/>
+          </a:prstGeom>
+        </p:spPr>
+        <p:style>
+          <a:lnRef idx="2">
+            <a:schemeClr val="dk1">
+              <a:shade val="50000"/>
+            </a:schemeClr>
+          </a:lnRef>
+          <a:fillRef idx="1">
+            <a:schemeClr val="dk1"/>
+          </a:fillRef>
+          <a:effectRef idx="0">
+            <a:schemeClr val="dk1"/>
+          </a:effectRef>
+          <a:fontRef idx="minor">
+            <a:schemeClr val="lt1"/>
+          </a:fontRef>
+        </p:style>
+        <p:txBody>
+          <a:bodyPr rtlCol="0" anchor="ctr"/>
+          <a:lstStyle/>
+          <a:p>
+            <a:pPr algn="ctr"/>
+            <a:endParaRPr lang="de-DE"/>
+          </a:p>
+        </p:txBody>
+      </p:sp>
+      <p:sp>
+        <p:nvSpPr>
+          <p:cNvPr id="20" name="Abgerundetes Rechteck 19"/>
+          <p:cNvSpPr/>
+          <p:nvPr/>
+        </p:nvSpPr>
+        <p:spPr>
+          <a:xfrm>
+            <a:off x="2430379" y="2634107"/>
+            <a:ext cx="954505" cy="954505"/>
+          </a:xfrm>
+          <a:prstGeom prst="roundRect">
+            <a:avLst/>
+          </a:prstGeom>
+        </p:spPr>
+        <p:style>
+          <a:lnRef idx="2">
+            <a:schemeClr val="dk1">
+              <a:shade val="50000"/>
+            </a:schemeClr>
+          </a:lnRef>
+          <a:fillRef idx="1">
+            <a:schemeClr val="dk1"/>
+          </a:fillRef>
+          <a:effectRef idx="0">
+            <a:schemeClr val="dk1"/>
+          </a:effectRef>
+          <a:fontRef idx="minor">
+            <a:schemeClr val="lt1"/>
+          </a:fontRef>
+        </p:style>
+        <p:txBody>
+          <a:bodyPr rtlCol="0" anchor="ctr"/>
+          <a:lstStyle/>
+          <a:p>
+            <a:pPr algn="ctr"/>
+            <a:endParaRPr lang="de-DE"/>
+          </a:p>
+        </p:txBody>
+      </p:sp>
+      <p:sp>
+        <p:nvSpPr>
+          <p:cNvPr id="21" name="Rechteck 20"/>
+          <p:cNvSpPr/>
+          <p:nvPr/>
+        </p:nvSpPr>
+        <p:spPr>
+          <a:xfrm>
+            <a:off x="2498556" y="3111359"/>
+            <a:ext cx="818148" cy="393032"/>
+          </a:xfrm>
+          <a:prstGeom prst="rect">
+            <a:avLst/>
+          </a:prstGeom>
+          <a:solidFill>
+            <a:schemeClr val="bg1"/>
+          </a:solidFill>
+          <a:ln>
+            <a:solidFill>
+              <a:schemeClr val="tx1"/>
+            </a:solidFill>
+          </a:ln>
+        </p:spPr>
+        <p:style>
+          <a:lnRef idx="2">
+            <a:schemeClr val="accent1">
+              <a:shade val="50000"/>
+            </a:schemeClr>
+          </a:lnRef>
+          <a:fillRef idx="1">
+            <a:schemeClr val="accent1"/>
+          </a:fillRef>
+          <a:effectRef idx="0">
+            <a:schemeClr val="accent1"/>
+          </a:effectRef>
+          <a:fontRef idx="minor">
+            <a:schemeClr val="lt1"/>
+          </a:fontRef>
+        </p:style>
+        <p:txBody>
+          <a:bodyPr rtlCol="0" anchor="ctr"/>
+          <a:lstStyle/>
+          <a:p>
+            <a:pPr algn="ctr"/>
+            <a:r>
+              <a:rPr lang="de-DE" b="1" dirty="0" smtClean="0">
+                <a:solidFill>
+                  <a:schemeClr val="tx1"/>
+                </a:solidFill>
+                <a:latin typeface="Arial" panose="020B0604020202020204" pitchFamily="34" charset="0"/>
+                <a:cs typeface="Arial" panose="020B0604020202020204" pitchFamily="34" charset="0"/>
+              </a:rPr>
+              <a:t>HYD</a:t>
+            </a:r>
+            <a:endParaRPr lang="de-DE" b="1" dirty="0">
+              <a:solidFill>
+                <a:schemeClr val="tx1"/>
+              </a:solidFill>
+              <a:latin typeface="Arial" panose="020B0604020202020204" pitchFamily="34" charset="0"/>
+              <a:cs typeface="Arial" panose="020B0604020202020204" pitchFamily="34" charset="0"/>
+            </a:endParaRPr>
+          </a:p>
+        </p:txBody>
+      </p:sp>
+      <p:sp>
+        <p:nvSpPr>
+          <p:cNvPr id="22" name="Rechteck 21"/>
+          <p:cNvSpPr/>
+          <p:nvPr/>
+        </p:nvSpPr>
+        <p:spPr>
+          <a:xfrm>
+            <a:off x="2634913" y="2634107"/>
+            <a:ext cx="589549" cy="435142"/>
+          </a:xfrm>
+          <a:prstGeom prst="rect">
+            <a:avLst/>
+          </a:prstGeom>
+          <a:solidFill>
+            <a:schemeClr val="bg1"/>
+          </a:solidFill>
+          <a:ln>
+            <a:solidFill>
+              <a:schemeClr val="tx1"/>
+            </a:solidFill>
+          </a:ln>
+        </p:spPr>
+        <p:style>
+          <a:lnRef idx="2">
+            <a:schemeClr val="accent1">
+              <a:shade val="50000"/>
+            </a:schemeClr>
+          </a:lnRef>
+          <a:fillRef idx="1">
+            <a:schemeClr val="accent1"/>
+          </a:fillRef>
+          <a:effectRef idx="0">
+            <a:schemeClr val="accent1"/>
+          </a:effectRef>
+          <a:fontRef idx="minor">
+            <a:schemeClr val="lt1"/>
+          </a:fontRef>
+        </p:style>
+        <p:txBody>
+          <a:bodyPr rtlCol="0" anchor="ctr"/>
+          <a:lstStyle/>
+          <a:p>
+            <a:pPr algn="ctr"/>
+            <a:endParaRPr lang="de-DE"/>
+          </a:p>
+        </p:txBody>
+      </p:sp>
+      <p:sp>
+        <p:nvSpPr>
+          <p:cNvPr id="23" name="Rechteck 22"/>
+          <p:cNvSpPr/>
+          <p:nvPr/>
+        </p:nvSpPr>
+        <p:spPr>
+          <a:xfrm>
+            <a:off x="3060031" y="2691256"/>
+            <a:ext cx="120315" cy="320842"/>
+          </a:xfrm>
+          <a:prstGeom prst="rect">
+            <a:avLst/>
+          </a:prstGeom>
+        </p:spPr>
+        <p:style>
+          <a:lnRef idx="2">
+            <a:schemeClr val="dk1">
+              <a:shade val="50000"/>
+            </a:schemeClr>
+          </a:lnRef>
+          <a:fillRef idx="1">
+            <a:schemeClr val="dk1"/>
+          </a:fillRef>
+          <a:effectRef idx="0">
+            <a:schemeClr val="dk1"/>
+          </a:effectRef>
+          <a:fontRef idx="minor">
+            <a:schemeClr val="lt1"/>
+          </a:fontRef>
+        </p:style>
+        <p:txBody>
+          <a:bodyPr rtlCol="0" anchor="ctr"/>
+          <a:lstStyle/>
+          <a:p>
+            <a:pPr algn="ctr"/>
+            <a:endParaRPr lang="de-DE"/>
+          </a:p>
+        </p:txBody>
+      </p:sp>
+      <p:sp>
+        <p:nvSpPr>
+          <p:cNvPr id="25" name="Abgerundetes Rechteck 24"/>
+          <p:cNvSpPr/>
+          <p:nvPr/>
+        </p:nvSpPr>
+        <p:spPr>
+          <a:xfrm>
+            <a:off x="2430379" y="4201414"/>
+            <a:ext cx="954505" cy="954505"/>
+          </a:xfrm>
+          <a:prstGeom prst="roundRect">
+            <a:avLst/>
+          </a:prstGeom>
+        </p:spPr>
+        <p:style>
+          <a:lnRef idx="2">
+            <a:schemeClr val="dk1">
+              <a:shade val="50000"/>
+            </a:schemeClr>
+          </a:lnRef>
+          <a:fillRef idx="1">
+            <a:schemeClr val="dk1"/>
+          </a:fillRef>
+          <a:effectRef idx="0">
+            <a:schemeClr val="dk1"/>
+          </a:effectRef>
+          <a:fontRef idx="minor">
+            <a:schemeClr val="lt1"/>
+          </a:fontRef>
+        </p:style>
+        <p:txBody>
+          <a:bodyPr rtlCol="0" anchor="ctr"/>
+          <a:lstStyle/>
+          <a:p>
+            <a:pPr algn="ctr"/>
+            <a:endParaRPr lang="de-DE"/>
+          </a:p>
+        </p:txBody>
+      </p:sp>
+      <p:sp>
+        <p:nvSpPr>
+          <p:cNvPr id="26" name="Rechteck 25"/>
+          <p:cNvSpPr/>
+          <p:nvPr/>
+        </p:nvSpPr>
+        <p:spPr>
+          <a:xfrm>
+            <a:off x="2498556" y="4678666"/>
+            <a:ext cx="818148" cy="393032"/>
+          </a:xfrm>
+          <a:prstGeom prst="rect">
+            <a:avLst/>
+          </a:prstGeom>
+          <a:solidFill>
+            <a:schemeClr val="bg1"/>
+          </a:solidFill>
+          <a:ln>
+            <a:solidFill>
+              <a:schemeClr val="tx1"/>
+            </a:solidFill>
+          </a:ln>
+        </p:spPr>
+        <p:style>
+          <a:lnRef idx="2">
+            <a:schemeClr val="accent1">
+              <a:shade val="50000"/>
+            </a:schemeClr>
+          </a:lnRef>
+          <a:fillRef idx="1">
+            <a:schemeClr val="accent1"/>
+          </a:fillRef>
+          <a:effectRef idx="0">
+            <a:schemeClr val="accent1"/>
+          </a:effectRef>
+          <a:fontRef idx="minor">
+            <a:schemeClr val="lt1"/>
+          </a:fontRef>
+        </p:style>
+        <p:txBody>
+          <a:bodyPr rtlCol="0" anchor="ctr"/>
+          <a:lstStyle/>
+          <a:p>
+            <a:pPr algn="ctr"/>
+            <a:r>
+              <a:rPr lang="de-DE" sz="1150" b="1" dirty="0" smtClean="0">
+                <a:solidFill>
+                  <a:schemeClr val="tx1"/>
+                </a:solidFill>
+                <a:latin typeface="Arial" panose="020B0604020202020204" pitchFamily="34" charset="0"/>
+                <a:cs typeface="Arial" panose="020B0604020202020204" pitchFamily="34" charset="0"/>
+              </a:rPr>
+              <a:t>MODELL</a:t>
+            </a:r>
+            <a:endParaRPr lang="de-DE" sz="1150" b="1" dirty="0">
+              <a:solidFill>
+                <a:schemeClr val="tx1"/>
+              </a:solidFill>
+              <a:latin typeface="Arial" panose="020B0604020202020204" pitchFamily="34" charset="0"/>
+              <a:cs typeface="Arial" panose="020B0604020202020204" pitchFamily="34" charset="0"/>
+            </a:endParaRPr>
+          </a:p>
+        </p:txBody>
+      </p:sp>
+      <p:sp>
+        <p:nvSpPr>
+          <p:cNvPr id="27" name="Rechteck 26"/>
+          <p:cNvSpPr/>
+          <p:nvPr/>
+        </p:nvSpPr>
+        <p:spPr>
+          <a:xfrm>
+            <a:off x="2634913" y="4201414"/>
+            <a:ext cx="589549" cy="435142"/>
+          </a:xfrm>
+          <a:prstGeom prst="rect">
+            <a:avLst/>
+          </a:prstGeom>
+          <a:solidFill>
+            <a:schemeClr val="bg1"/>
+          </a:solidFill>
+          <a:ln>
+            <a:solidFill>
+              <a:schemeClr val="tx1"/>
+            </a:solidFill>
+          </a:ln>
+        </p:spPr>
+        <p:style>
+          <a:lnRef idx="2">
+            <a:schemeClr val="accent1">
+              <a:shade val="50000"/>
+            </a:schemeClr>
+          </a:lnRef>
+          <a:fillRef idx="1">
+            <a:schemeClr val="accent1"/>
+          </a:fillRef>
+          <a:effectRef idx="0">
+            <a:schemeClr val="accent1"/>
+          </a:effectRef>
+          <a:fontRef idx="minor">
+            <a:schemeClr val="lt1"/>
+          </a:fontRef>
+        </p:style>
+        <p:txBody>
+          <a:bodyPr rtlCol="0" anchor="ctr"/>
+          <a:lstStyle/>
+          <a:p>
+            <a:pPr algn="ctr"/>
+            <a:endParaRPr lang="de-DE"/>
+          </a:p>
+        </p:txBody>
+      </p:sp>
+      <p:sp>
+        <p:nvSpPr>
+          <p:cNvPr id="28" name="Rechteck 27"/>
+          <p:cNvSpPr/>
+          <p:nvPr/>
+        </p:nvSpPr>
+        <p:spPr>
+          <a:xfrm>
+            <a:off x="3060031" y="4258563"/>
+            <a:ext cx="120315" cy="320842"/>
+          </a:xfrm>
+          <a:prstGeom prst="rect">
+            <a:avLst/>
+          </a:prstGeom>
+        </p:spPr>
+        <p:style>
+          <a:lnRef idx="2">
+            <a:schemeClr val="dk1">
+              <a:shade val="50000"/>
+            </a:schemeClr>
+          </a:lnRef>
+          <a:fillRef idx="1">
+            <a:schemeClr val="dk1"/>
+          </a:fillRef>
+          <a:effectRef idx="0">
+            <a:schemeClr val="dk1"/>
+          </a:effectRef>
+          <a:fontRef idx="minor">
+            <a:schemeClr val="lt1"/>
+          </a:fontRef>
+        </p:style>
+        <p:txBody>
+          <a:bodyPr rtlCol="0" anchor="ctr"/>
+          <a:lstStyle/>
+          <a:p>
+            <a:pPr algn="ctr"/>
+            <a:endParaRPr lang="de-DE"/>
+          </a:p>
+        </p:txBody>
+      </p:sp>
+      <p:sp>
+        <p:nvSpPr>
+          <p:cNvPr id="3" name="Kreuz 2"/>
+          <p:cNvSpPr/>
+          <p:nvPr/>
+        </p:nvSpPr>
+        <p:spPr>
+          <a:xfrm>
+            <a:off x="5486400" y="1285874"/>
+            <a:ext cx="465221" cy="432135"/>
+          </a:xfrm>
+          <a:prstGeom prst="plus">
+            <a:avLst>
+              <a:gd name="adj" fmla="val 43561"/>
+            </a:avLst>
+          </a:prstGeom>
+          <a:solidFill>
+            <a:schemeClr val="dk1"/>
+          </a:solidFill>
+        </p:spPr>
+        <p:style>
+          <a:lnRef idx="2">
+            <a:schemeClr val="dk1">
+              <a:shade val="50000"/>
+            </a:schemeClr>
+          </a:lnRef>
+          <a:fillRef idx="1">
+            <a:schemeClr val="dk1"/>
+          </a:fillRef>
+          <a:effectRef idx="0">
+            <a:schemeClr val="dk1"/>
+          </a:effectRef>
+          <a:fontRef idx="minor">
+            <a:schemeClr val="lt1"/>
+          </a:fontRef>
+        </p:style>
+        <p:txBody>
+          <a:bodyPr rtlCol="0" anchor="ctr"/>
+          <a:lstStyle/>
+          <a:p>
+            <a:pPr algn="ctr"/>
+            <a:endParaRPr lang="de-DE">
+              <a:noFill/>
+            </a:endParaRPr>
+          </a:p>
+        </p:txBody>
+      </p:sp>
+      <p:sp>
+        <p:nvSpPr>
+          <p:cNvPr id="8" name="Abgerundetes Rechteck 7"/>
+          <p:cNvSpPr/>
+          <p:nvPr/>
+        </p:nvSpPr>
+        <p:spPr>
+          <a:xfrm>
+            <a:off x="5474368" y="2444300"/>
+            <a:ext cx="465221" cy="667059"/>
+          </a:xfrm>
+          <a:prstGeom prst="roundRect">
+            <a:avLst/>
+          </a:prstGeom>
+        </p:spPr>
+        <p:style>
+          <a:lnRef idx="2">
+            <a:schemeClr val="dk1">
+              <a:shade val="50000"/>
+            </a:schemeClr>
+          </a:lnRef>
+          <a:fillRef idx="1">
+            <a:schemeClr val="dk1"/>
+          </a:fillRef>
+          <a:effectRef idx="0">
+            <a:schemeClr val="dk1"/>
+          </a:effectRef>
+          <a:fontRef idx="minor">
+            <a:schemeClr val="lt1"/>
+          </a:fontRef>
+        </p:style>
+        <p:txBody>
+          <a:bodyPr rtlCol="0" anchor="ctr"/>
+          <a:lstStyle/>
+          <a:p>
+            <a:pPr algn="ctr"/>
+            <a:endParaRPr lang="de-DE"/>
+          </a:p>
+        </p:txBody>
+      </p:sp>
+      <p:sp>
+        <p:nvSpPr>
+          <p:cNvPr id="9" name="Abgerundetes Rechteck 8"/>
+          <p:cNvSpPr/>
+          <p:nvPr/>
+        </p:nvSpPr>
+        <p:spPr>
+          <a:xfrm>
+            <a:off x="5390146" y="2334010"/>
+            <a:ext cx="617621" cy="220579"/>
+          </a:xfrm>
+          <a:prstGeom prst="roundRect">
+            <a:avLst/>
+          </a:prstGeom>
+        </p:spPr>
+        <p:style>
+          <a:lnRef idx="2">
+            <a:schemeClr val="dk1">
+              <a:shade val="50000"/>
+            </a:schemeClr>
+          </a:lnRef>
+          <a:fillRef idx="1">
+            <a:schemeClr val="dk1"/>
+          </a:fillRef>
+          <a:effectRef idx="0">
+            <a:schemeClr val="dk1"/>
+          </a:effectRef>
+          <a:fontRef idx="minor">
+            <a:schemeClr val="lt1"/>
+          </a:fontRef>
+        </p:style>
+        <p:txBody>
+          <a:bodyPr rtlCol="0" anchor="ctr"/>
+          <a:lstStyle/>
+          <a:p>
+            <a:pPr algn="ctr"/>
+            <a:endParaRPr lang="de-DE"/>
+          </a:p>
+        </p:txBody>
+      </p:sp>
+      <p:sp>
+        <p:nvSpPr>
+          <p:cNvPr id="10" name="Abgerundetes Rechteck 9"/>
+          <p:cNvSpPr/>
+          <p:nvPr/>
+        </p:nvSpPr>
+        <p:spPr>
+          <a:xfrm>
+            <a:off x="5602515" y="2251857"/>
+            <a:ext cx="192881" cy="164306"/>
+          </a:xfrm>
+          <a:prstGeom prst="roundRect">
+            <a:avLst/>
+          </a:prstGeom>
+        </p:spPr>
+        <p:style>
+          <a:lnRef idx="2">
+            <a:schemeClr val="dk1">
+              <a:shade val="50000"/>
+            </a:schemeClr>
+          </a:lnRef>
+          <a:fillRef idx="1">
+            <a:schemeClr val="dk1"/>
+          </a:fillRef>
+          <a:effectRef idx="0">
+            <a:schemeClr val="dk1"/>
+          </a:effectRef>
+          <a:fontRef idx="minor">
+            <a:schemeClr val="lt1"/>
+          </a:fontRef>
+        </p:style>
+        <p:txBody>
+          <a:bodyPr rtlCol="0" anchor="ctr"/>
+          <a:lstStyle/>
+          <a:p>
+            <a:pPr algn="ctr"/>
+            <a:endParaRPr lang="de-DE"/>
+          </a:p>
+        </p:txBody>
+      </p:sp>
+      <p:sp>
+        <p:nvSpPr>
+          <p:cNvPr id="11" name="Rechteck 10"/>
+          <p:cNvSpPr/>
+          <p:nvPr/>
+        </p:nvSpPr>
+        <p:spPr>
+          <a:xfrm>
+            <a:off x="5670381" y="2554589"/>
+            <a:ext cx="73194" cy="435585"/>
+          </a:xfrm>
+          <a:prstGeom prst="rect">
+            <a:avLst/>
+          </a:prstGeom>
+        </p:spPr>
+        <p:style>
+          <a:lnRef idx="2">
+            <a:schemeClr val="dk1"/>
+          </a:lnRef>
+          <a:fillRef idx="1">
+            <a:schemeClr val="lt1"/>
+          </a:fillRef>
+          <a:effectRef idx="0">
+            <a:schemeClr val="dk1"/>
+          </a:effectRef>
+          <a:fontRef idx="minor">
+            <a:schemeClr val="dk1"/>
+          </a:fontRef>
+        </p:style>
+        <p:txBody>
+          <a:bodyPr rtlCol="0" anchor="ctr"/>
+          <a:lstStyle/>
+          <a:p>
+            <a:pPr algn="ctr"/>
+            <a:endParaRPr lang="de-DE"/>
+          </a:p>
+        </p:txBody>
+      </p:sp>
+      <p:sp>
+        <p:nvSpPr>
+          <p:cNvPr id="24" name="Rechteck 23"/>
+          <p:cNvSpPr/>
+          <p:nvPr/>
+        </p:nvSpPr>
+        <p:spPr>
+          <a:xfrm>
+            <a:off x="5793205" y="2554587"/>
+            <a:ext cx="73194" cy="435585"/>
+          </a:xfrm>
+          <a:prstGeom prst="rect">
+            <a:avLst/>
+          </a:prstGeom>
+        </p:spPr>
+        <p:style>
+          <a:lnRef idx="2">
+            <a:schemeClr val="dk1"/>
+          </a:lnRef>
+          <a:fillRef idx="1">
+            <a:schemeClr val="lt1"/>
+          </a:fillRef>
+          <a:effectRef idx="0">
+            <a:schemeClr val="dk1"/>
+          </a:effectRef>
+          <a:fontRef idx="minor">
+            <a:schemeClr val="dk1"/>
+          </a:fontRef>
+        </p:style>
+        <p:txBody>
+          <a:bodyPr rtlCol="0" anchor="ctr"/>
+          <a:lstStyle/>
+          <a:p>
+            <a:pPr algn="ctr"/>
+            <a:endParaRPr lang="de-DE"/>
+          </a:p>
+        </p:txBody>
+      </p:sp>
+      <p:sp>
+        <p:nvSpPr>
+          <p:cNvPr id="29" name="Rechteck 28"/>
+          <p:cNvSpPr/>
+          <p:nvPr/>
+        </p:nvSpPr>
+        <p:spPr>
+          <a:xfrm>
+            <a:off x="5551441" y="2554588"/>
+            <a:ext cx="73194" cy="435585"/>
+          </a:xfrm>
+          <a:prstGeom prst="rect">
+            <a:avLst/>
+          </a:prstGeom>
+        </p:spPr>
+        <p:style>
+          <a:lnRef idx="2">
+            <a:schemeClr val="dk1"/>
+          </a:lnRef>
+          <a:fillRef idx="1">
+            <a:schemeClr val="lt1"/>
+          </a:fillRef>
+          <a:effectRef idx="0">
+            <a:schemeClr val="dk1"/>
+          </a:effectRef>
+          <a:fontRef idx="minor">
+            <a:schemeClr val="dk1"/>
+          </a:fontRef>
+        </p:style>
+        <p:txBody>
+          <a:bodyPr rtlCol="0" anchor="ctr"/>
+          <a:lstStyle/>
+          <a:p>
+            <a:pPr algn="ctr"/>
+            <a:endParaRPr lang="de-DE"/>
+          </a:p>
+        </p:txBody>
+      </p:sp>
+      <p:sp>
+        <p:nvSpPr>
+          <p:cNvPr id="2" name="Textfeld 1"/>
+          <p:cNvSpPr txBox="1"/>
+          <p:nvPr/>
+        </p:nvSpPr>
+        <p:spPr>
+          <a:xfrm>
+            <a:off x="7305817" y="721516"/>
+            <a:ext cx="747320" cy="1446550"/>
+          </a:xfrm>
+          <a:prstGeom prst="rect">
+            <a:avLst/>
+          </a:prstGeom>
+          <a:noFill/>
+        </p:spPr>
+        <p:txBody>
+          <a:bodyPr wrap="none" rtlCol="0">
+            <a:spAutoFit/>
+          </a:bodyPr>
+          <a:lstStyle/>
+          <a:p>
+            <a:r>
+              <a:rPr lang="de-DE" sz="8800" dirty="0" smtClean="0"/>
+              <a:t>+</a:t>
+            </a:r>
+            <a:endParaRPr lang="de-DE" sz="8800" dirty="0"/>
+          </a:p>
+        </p:txBody>
+      </p:sp>
+      <p:sp>
+        <p:nvSpPr>
+          <p:cNvPr id="30" name="Abgerundetes Rechteck 29"/>
+          <p:cNvSpPr/>
+          <p:nvPr/>
+        </p:nvSpPr>
+        <p:spPr>
+          <a:xfrm>
+            <a:off x="4058652" y="4201413"/>
+            <a:ext cx="954505" cy="954505"/>
+          </a:xfrm>
+          <a:prstGeom prst="roundRect">
+            <a:avLst/>
+          </a:prstGeom>
+        </p:spPr>
+        <p:style>
+          <a:lnRef idx="2">
+            <a:schemeClr val="dk1">
+              <a:shade val="50000"/>
+            </a:schemeClr>
+          </a:lnRef>
+          <a:fillRef idx="1">
+            <a:schemeClr val="dk1"/>
+          </a:fillRef>
+          <a:effectRef idx="0">
+            <a:schemeClr val="dk1"/>
+          </a:effectRef>
+          <a:fontRef idx="minor">
+            <a:schemeClr val="lt1"/>
+          </a:fontRef>
+        </p:style>
+        <p:txBody>
+          <a:bodyPr rtlCol="0" anchor="ctr"/>
+          <a:lstStyle/>
+          <a:p>
+            <a:pPr algn="ctr"/>
+            <a:endParaRPr lang="de-DE"/>
+          </a:p>
+        </p:txBody>
+      </p:sp>
+      <p:sp>
+        <p:nvSpPr>
+          <p:cNvPr id="31" name="Rechteck 30"/>
+          <p:cNvSpPr/>
+          <p:nvPr/>
+        </p:nvSpPr>
+        <p:spPr>
+          <a:xfrm>
+            <a:off x="4126829" y="4678665"/>
+            <a:ext cx="818148" cy="393032"/>
+          </a:xfrm>
+          <a:prstGeom prst="rect">
+            <a:avLst/>
+          </a:prstGeom>
+          <a:solidFill>
+            <a:schemeClr val="bg1"/>
+          </a:solidFill>
+          <a:ln>
+            <a:solidFill>
+              <a:schemeClr val="tx1"/>
+            </a:solidFill>
+          </a:ln>
+        </p:spPr>
+        <p:style>
+          <a:lnRef idx="2">
+            <a:schemeClr val="accent1">
+              <a:shade val="50000"/>
+            </a:schemeClr>
+          </a:lnRef>
+          <a:fillRef idx="1">
+            <a:schemeClr val="accent1"/>
+          </a:fillRef>
+          <a:effectRef idx="0">
+            <a:schemeClr val="accent1"/>
+          </a:effectRef>
+          <a:fontRef idx="minor">
+            <a:schemeClr val="lt1"/>
+          </a:fontRef>
+        </p:style>
+        <p:txBody>
+          <a:bodyPr rtlCol="0" anchor="ctr"/>
+          <a:lstStyle/>
+          <a:p>
+            <a:pPr algn="ctr"/>
+            <a:r>
+              <a:rPr lang="de-DE" sz="1400" b="1" dirty="0" smtClean="0">
+                <a:solidFill>
+                  <a:schemeClr val="tx1"/>
+                </a:solidFill>
+                <a:latin typeface="Arial" panose="020B0604020202020204" pitchFamily="34" charset="0"/>
+                <a:cs typeface="Arial" panose="020B0604020202020204" pitchFamily="34" charset="0"/>
+              </a:rPr>
+              <a:t>START</a:t>
+            </a:r>
+            <a:endParaRPr lang="de-DE" sz="1400" b="1" dirty="0">
+              <a:solidFill>
+                <a:schemeClr val="tx1"/>
+              </a:solidFill>
+              <a:latin typeface="Arial" panose="020B0604020202020204" pitchFamily="34" charset="0"/>
+              <a:cs typeface="Arial" panose="020B0604020202020204" pitchFamily="34" charset="0"/>
+            </a:endParaRPr>
+          </a:p>
+        </p:txBody>
+      </p:sp>
+      <p:sp>
+        <p:nvSpPr>
+          <p:cNvPr id="32" name="Rechteck 31"/>
+          <p:cNvSpPr/>
+          <p:nvPr/>
+        </p:nvSpPr>
+        <p:spPr>
+          <a:xfrm>
+            <a:off x="4263186" y="4201413"/>
+            <a:ext cx="589549" cy="435142"/>
+          </a:xfrm>
+          <a:prstGeom prst="rect">
+            <a:avLst/>
+          </a:prstGeom>
+          <a:solidFill>
+            <a:schemeClr val="bg1"/>
+          </a:solidFill>
+          <a:ln>
+            <a:solidFill>
+              <a:schemeClr val="tx1"/>
+            </a:solidFill>
+          </a:ln>
+        </p:spPr>
+        <p:style>
+          <a:lnRef idx="2">
+            <a:schemeClr val="accent1">
+              <a:shade val="50000"/>
+            </a:schemeClr>
+          </a:lnRef>
+          <a:fillRef idx="1">
+            <a:schemeClr val="accent1"/>
+          </a:fillRef>
+          <a:effectRef idx="0">
+            <a:schemeClr val="accent1"/>
+          </a:effectRef>
+          <a:fontRef idx="minor">
+            <a:schemeClr val="lt1"/>
+          </a:fontRef>
+        </p:style>
+        <p:txBody>
+          <a:bodyPr rtlCol="0" anchor="ctr"/>
+          <a:lstStyle/>
+          <a:p>
+            <a:pPr algn="ctr"/>
+            <a:endParaRPr lang="de-DE"/>
+          </a:p>
+        </p:txBody>
+      </p:sp>
+      <p:sp>
+        <p:nvSpPr>
+          <p:cNvPr id="33" name="Rechteck 32"/>
+          <p:cNvSpPr/>
+          <p:nvPr/>
+        </p:nvSpPr>
+        <p:spPr>
+          <a:xfrm>
+            <a:off x="4688304" y="4258562"/>
+            <a:ext cx="120315" cy="320842"/>
+          </a:xfrm>
+          <a:prstGeom prst="rect">
+            <a:avLst/>
+          </a:prstGeom>
+        </p:spPr>
+        <p:style>
+          <a:lnRef idx="2">
+            <a:schemeClr val="dk1">
+              <a:shade val="50000"/>
+            </a:schemeClr>
+          </a:lnRef>
+          <a:fillRef idx="1">
+            <a:schemeClr val="dk1"/>
+          </a:fillRef>
+          <a:effectRef idx="0">
+            <a:schemeClr val="dk1"/>
+          </a:effectRef>
+          <a:fontRef idx="minor">
+            <a:schemeClr val="lt1"/>
+          </a:fontRef>
+        </p:style>
+        <p:txBody>
+          <a:bodyPr rtlCol="0" anchor="ctr"/>
+          <a:lstStyle/>
+          <a:p>
+            <a:pPr algn="ctr"/>
+            <a:endParaRPr lang="de-DE"/>
+          </a:p>
+        </p:txBody>
+      </p:sp>
+      <p:sp>
+        <p:nvSpPr>
+          <p:cNvPr id="34" name="Abgerundetes Rechteck 33"/>
+          <p:cNvSpPr/>
+          <p:nvPr/>
+        </p:nvSpPr>
+        <p:spPr>
+          <a:xfrm>
+            <a:off x="4058652" y="2634107"/>
+            <a:ext cx="954505" cy="954505"/>
+          </a:xfrm>
+          <a:prstGeom prst="roundRect">
+            <a:avLst/>
+          </a:prstGeom>
+        </p:spPr>
+        <p:style>
+          <a:lnRef idx="2">
+            <a:schemeClr val="dk1">
+              <a:shade val="50000"/>
+            </a:schemeClr>
+          </a:lnRef>
+          <a:fillRef idx="1">
+            <a:schemeClr val="dk1"/>
+          </a:fillRef>
+          <a:effectRef idx="0">
+            <a:schemeClr val="dk1"/>
+          </a:effectRef>
+          <a:fontRef idx="minor">
+            <a:schemeClr val="lt1"/>
+          </a:fontRef>
+        </p:style>
+        <p:txBody>
+          <a:bodyPr rtlCol="0" anchor="ctr"/>
+          <a:lstStyle/>
+          <a:p>
+            <a:pPr algn="ctr"/>
+            <a:endParaRPr lang="de-DE"/>
+          </a:p>
+        </p:txBody>
+      </p:sp>
+      <p:sp>
+        <p:nvSpPr>
+          <p:cNvPr id="35" name="Rechteck 34"/>
+          <p:cNvSpPr/>
+          <p:nvPr/>
+        </p:nvSpPr>
+        <p:spPr>
+          <a:xfrm>
+            <a:off x="4126829" y="3111359"/>
+            <a:ext cx="818148" cy="393032"/>
+          </a:xfrm>
+          <a:prstGeom prst="rect">
+            <a:avLst/>
+          </a:prstGeom>
+          <a:solidFill>
+            <a:schemeClr val="bg1"/>
+          </a:solidFill>
+          <a:ln>
+            <a:solidFill>
+              <a:schemeClr val="tx1"/>
+            </a:solidFill>
+          </a:ln>
+        </p:spPr>
+        <p:style>
+          <a:lnRef idx="2">
+            <a:schemeClr val="accent1">
+              <a:shade val="50000"/>
+            </a:schemeClr>
+          </a:lnRef>
+          <a:fillRef idx="1">
+            <a:schemeClr val="accent1"/>
+          </a:fillRef>
+          <a:effectRef idx="0">
+            <a:schemeClr val="accent1"/>
+          </a:effectRef>
+          <a:fontRef idx="minor">
+            <a:schemeClr val="lt1"/>
+          </a:fontRef>
+        </p:style>
+        <p:txBody>
+          <a:bodyPr rtlCol="0" anchor="ctr"/>
+          <a:lstStyle/>
+          <a:p>
+            <a:pPr algn="ctr"/>
+            <a:r>
+              <a:rPr lang="de-DE" b="1" dirty="0" smtClean="0">
+                <a:solidFill>
+                  <a:schemeClr val="tx1"/>
+                </a:solidFill>
+                <a:latin typeface="Arial" panose="020B0604020202020204" pitchFamily="34" charset="0"/>
+                <a:cs typeface="Arial" panose="020B0604020202020204" pitchFamily="34" charset="0"/>
+              </a:rPr>
+              <a:t>RUN</a:t>
+            </a:r>
+            <a:endParaRPr lang="de-DE" b="1" dirty="0">
+              <a:solidFill>
+                <a:schemeClr val="tx1"/>
+              </a:solidFill>
+              <a:latin typeface="Arial" panose="020B0604020202020204" pitchFamily="34" charset="0"/>
+              <a:cs typeface="Arial" panose="020B0604020202020204" pitchFamily="34" charset="0"/>
+            </a:endParaRPr>
+          </a:p>
+        </p:txBody>
+      </p:sp>
+      <p:sp>
+        <p:nvSpPr>
+          <p:cNvPr id="36" name="Rechteck 35"/>
+          <p:cNvSpPr/>
+          <p:nvPr/>
+        </p:nvSpPr>
+        <p:spPr>
+          <a:xfrm>
+            <a:off x="4263186" y="2634107"/>
+            <a:ext cx="589549" cy="435142"/>
+          </a:xfrm>
+          <a:prstGeom prst="rect">
+            <a:avLst/>
+          </a:prstGeom>
+          <a:solidFill>
+            <a:schemeClr val="bg1"/>
+          </a:solidFill>
+          <a:ln>
+            <a:solidFill>
+              <a:schemeClr val="tx1"/>
+            </a:solidFill>
+          </a:ln>
+        </p:spPr>
+        <p:style>
+          <a:lnRef idx="2">
+            <a:schemeClr val="accent1">
+              <a:shade val="50000"/>
+            </a:schemeClr>
+          </a:lnRef>
+          <a:fillRef idx="1">
+            <a:schemeClr val="accent1"/>
+          </a:fillRef>
+          <a:effectRef idx="0">
+            <a:schemeClr val="accent1"/>
+          </a:effectRef>
+          <a:fontRef idx="minor">
+            <a:schemeClr val="lt1"/>
+          </a:fontRef>
+        </p:style>
+        <p:txBody>
+          <a:bodyPr rtlCol="0" anchor="ctr"/>
+          <a:lstStyle/>
+          <a:p>
+            <a:pPr algn="ctr"/>
+            <a:endParaRPr lang="de-DE"/>
+          </a:p>
+        </p:txBody>
+      </p:sp>
+      <p:sp>
+        <p:nvSpPr>
+          <p:cNvPr id="37" name="Rechteck 36"/>
+          <p:cNvSpPr/>
+          <p:nvPr/>
+        </p:nvSpPr>
+        <p:spPr>
+          <a:xfrm>
+            <a:off x="4688304" y="2691256"/>
+            <a:ext cx="120315" cy="320842"/>
+          </a:xfrm>
+          <a:prstGeom prst="rect">
+            <a:avLst/>
+          </a:prstGeom>
+        </p:spPr>
+        <p:style>
+          <a:lnRef idx="2">
+            <a:schemeClr val="dk1">
+              <a:shade val="50000"/>
+            </a:schemeClr>
+          </a:lnRef>
+          <a:fillRef idx="1">
+            <a:schemeClr val="dk1"/>
+          </a:fillRef>
+          <a:effectRef idx="0">
+            <a:schemeClr val="dk1"/>
+          </a:effectRef>
+          <a:fontRef idx="minor">
+            <a:schemeClr val="lt1"/>
+          </a:fontRef>
+        </p:style>
+        <p:txBody>
+          <a:bodyPr rtlCol="0" anchor="ctr"/>
+          <a:lstStyle/>
+          <a:p>
+            <a:pPr algn="ctr"/>
+            <a:endParaRPr lang="de-DE"/>
+          </a:p>
+        </p:txBody>
+      </p:sp>
+      <p:sp>
+        <p:nvSpPr>
+          <p:cNvPr id="12" name="Gleichschenkliges Dreieck 11"/>
+          <p:cNvSpPr/>
+          <p:nvPr/>
+        </p:nvSpPr>
+        <p:spPr>
+          <a:xfrm rot="5400000">
+            <a:off x="6737684" y="4114800"/>
+            <a:ext cx="770021" cy="673768"/>
+          </a:xfrm>
+          <a:prstGeom prst="triangle">
+            <a:avLst/>
+          </a:prstGeom>
+          <a:solidFill>
+            <a:schemeClr val="tx1"/>
+          </a:solidFill>
+          <a:ln>
+            <a:solidFill>
+              <a:schemeClr val="tx1"/>
+            </a:solidFill>
+          </a:ln>
+        </p:spPr>
+        <p:style>
+          <a:lnRef idx="2">
+            <a:schemeClr val="accent1">
+              <a:shade val="50000"/>
+            </a:schemeClr>
+          </a:lnRef>
+          <a:fillRef idx="1">
+            <a:schemeClr val="accent1"/>
+          </a:fillRef>
+          <a:effectRef idx="0">
+            <a:schemeClr val="accent1"/>
+          </a:effectRef>
+          <a:fontRef idx="minor">
+            <a:schemeClr val="lt1"/>
+          </a:fontRef>
+        </p:style>
+        <p:txBody>
+          <a:bodyPr rtlCol="0" anchor="ctr"/>
+          <a:lstStyle/>
+          <a:p>
+            <a:pPr algn="ctr"/>
+            <a:endParaRPr lang="de-DE"/>
+          </a:p>
+        </p:txBody>
+      </p:sp>
+      <p:sp>
+        <p:nvSpPr>
+          <p:cNvPr id="13" name="Rechteck 12"/>
+          <p:cNvSpPr/>
+          <p:nvPr/>
+        </p:nvSpPr>
+        <p:spPr>
+          <a:xfrm>
+            <a:off x="6557209" y="4066673"/>
+            <a:ext cx="136358" cy="770022"/>
+          </a:xfrm>
+          <a:prstGeom prst="rect">
+            <a:avLst/>
+          </a:prstGeom>
+          <a:solidFill>
+            <a:schemeClr val="tx1"/>
+          </a:solidFill>
+          <a:ln>
+            <a:solidFill>
+              <a:schemeClr val="tx1"/>
+            </a:solidFill>
+          </a:ln>
+        </p:spPr>
+        <p:style>
+          <a:lnRef idx="2">
+            <a:schemeClr val="accent1">
+              <a:shade val="50000"/>
+            </a:schemeClr>
+          </a:lnRef>
+          <a:fillRef idx="1">
+            <a:schemeClr val="accent1"/>
+          </a:fillRef>
+          <a:effectRef idx="0">
+            <a:schemeClr val="accent1"/>
+          </a:effectRef>
+          <a:fontRef idx="minor">
+            <a:schemeClr val="lt1"/>
+          </a:fontRef>
+        </p:style>
+        <p:txBody>
+          <a:bodyPr rtlCol="0" anchor="ctr"/>
+          <a:lstStyle/>
+          <a:p>
+            <a:pPr algn="ctr"/>
+            <a:endParaRPr lang="de-DE"/>
+          </a:p>
+        </p:txBody>
+      </p:sp>
+      <p:sp>
+        <p:nvSpPr>
+          <p:cNvPr id="14" name="Rechteck 13"/>
+          <p:cNvSpPr/>
+          <p:nvPr/>
+        </p:nvSpPr>
+        <p:spPr>
+          <a:xfrm>
+            <a:off x="2343895" y="4142354"/>
+            <a:ext cx="1094876" cy="1072622"/>
+          </a:xfrm>
+          <a:prstGeom prst="rect">
+            <a:avLst/>
+          </a:prstGeom>
+          <a:noFill/>
+          <a:ln>
+            <a:noFill/>
+          </a:ln>
+        </p:spPr>
+        <p:style>
+          <a:lnRef idx="2">
+            <a:schemeClr val="accent1">
+              <a:shade val="50000"/>
+            </a:schemeClr>
+          </a:lnRef>
+          <a:fillRef idx="1">
+            <a:schemeClr val="accent1"/>
+          </a:fillRef>
+          <a:effectRef idx="0">
+            <a:schemeClr val="accent1"/>
+          </a:effectRef>
+          <a:fontRef idx="minor">
+            <a:schemeClr val="lt1"/>
+          </a:fontRef>
+        </p:style>
+        <p:txBody>
+          <a:bodyPr rtlCol="0" anchor="ctr"/>
+          <a:lstStyle/>
+          <a:p>
+            <a:pPr algn="ctr"/>
+            <a:endParaRPr lang="de-DE"/>
+          </a:p>
+        </p:txBody>
+      </p:sp>
+      <p:sp>
+        <p:nvSpPr>
+          <p:cNvPr id="38" name="Rechteck 37"/>
+          <p:cNvSpPr/>
+          <p:nvPr/>
+        </p:nvSpPr>
+        <p:spPr>
+          <a:xfrm>
+            <a:off x="2343895" y="2575048"/>
+            <a:ext cx="1094876" cy="1072622"/>
+          </a:xfrm>
+          <a:prstGeom prst="rect">
+            <a:avLst/>
+          </a:prstGeom>
+          <a:noFill/>
+          <a:ln>
+            <a:noFill/>
+          </a:ln>
+        </p:spPr>
+        <p:style>
+          <a:lnRef idx="2">
+            <a:schemeClr val="accent1">
+              <a:shade val="50000"/>
+            </a:schemeClr>
+          </a:lnRef>
+          <a:fillRef idx="1">
+            <a:schemeClr val="accent1"/>
+          </a:fillRef>
+          <a:effectRef idx="0">
+            <a:schemeClr val="accent1"/>
+          </a:effectRef>
+          <a:fontRef idx="minor">
+            <a:schemeClr val="lt1"/>
+          </a:fontRef>
+        </p:style>
+        <p:txBody>
+          <a:bodyPr rtlCol="0" anchor="ctr"/>
+          <a:lstStyle/>
+          <a:p>
+            <a:pPr algn="ctr"/>
+            <a:endParaRPr lang="de-DE"/>
+          </a:p>
+        </p:txBody>
+      </p:sp>
+      <p:sp>
+        <p:nvSpPr>
+          <p:cNvPr id="40" name="Rechteck 39"/>
+          <p:cNvSpPr/>
+          <p:nvPr/>
+        </p:nvSpPr>
+        <p:spPr>
+          <a:xfrm>
+            <a:off x="3988465" y="2575048"/>
+            <a:ext cx="1094876" cy="1072622"/>
+          </a:xfrm>
+          <a:prstGeom prst="rect">
+            <a:avLst/>
+          </a:prstGeom>
+          <a:noFill/>
+          <a:ln>
+            <a:noFill/>
+          </a:ln>
+        </p:spPr>
+        <p:style>
+          <a:lnRef idx="2">
+            <a:schemeClr val="accent1">
+              <a:shade val="50000"/>
+            </a:schemeClr>
+          </a:lnRef>
+          <a:fillRef idx="1">
+            <a:schemeClr val="accent1"/>
+          </a:fillRef>
+          <a:effectRef idx="0">
+            <a:schemeClr val="accent1"/>
+          </a:effectRef>
+          <a:fontRef idx="minor">
+            <a:schemeClr val="lt1"/>
+          </a:fontRef>
+        </p:style>
+        <p:txBody>
+          <a:bodyPr rtlCol="0" anchor="ctr"/>
+          <a:lstStyle/>
+          <a:p>
+            <a:pPr algn="ctr"/>
+            <a:endParaRPr lang="de-DE"/>
+          </a:p>
+        </p:txBody>
+      </p:sp>
+      <p:sp>
+        <p:nvSpPr>
+          <p:cNvPr id="41" name="Rechteck 40"/>
+          <p:cNvSpPr/>
+          <p:nvPr/>
+        </p:nvSpPr>
+        <p:spPr>
+          <a:xfrm>
+            <a:off x="2386261" y="1020873"/>
+            <a:ext cx="1094876" cy="1072622"/>
+          </a:xfrm>
+          <a:prstGeom prst="rect">
+            <a:avLst/>
+          </a:prstGeom>
+          <a:noFill/>
+          <a:ln>
+            <a:noFill/>
+          </a:ln>
+        </p:spPr>
+        <p:style>
+          <a:lnRef idx="2">
+            <a:schemeClr val="accent1">
+              <a:shade val="50000"/>
+            </a:schemeClr>
+          </a:lnRef>
+          <a:fillRef idx="1">
+            <a:schemeClr val="accent1"/>
+          </a:fillRef>
+          <a:effectRef idx="0">
+            <a:schemeClr val="accent1"/>
+          </a:effectRef>
+          <a:fontRef idx="minor">
+            <a:schemeClr val="lt1"/>
+          </a:fontRef>
+        </p:style>
+        <p:txBody>
+          <a:bodyPr rtlCol="0" anchor="ctr"/>
+          <a:lstStyle/>
+          <a:p>
+            <a:pPr algn="ctr"/>
+            <a:endParaRPr lang="de-DE"/>
+          </a:p>
+        </p:txBody>
+      </p:sp>
+      <p:sp>
+        <p:nvSpPr>
+          <p:cNvPr id="42" name="Rechteck 41"/>
+          <p:cNvSpPr/>
+          <p:nvPr/>
+        </p:nvSpPr>
+        <p:spPr>
+          <a:xfrm>
+            <a:off x="5370095" y="2251857"/>
+            <a:ext cx="637672" cy="859502"/>
+          </a:xfrm>
+          <a:prstGeom prst="rect">
+            <a:avLst/>
+          </a:prstGeom>
+          <a:noFill/>
+          <a:ln>
+            <a:noFill/>
+          </a:ln>
+        </p:spPr>
+        <p:style>
+          <a:lnRef idx="2">
+            <a:schemeClr val="accent1">
+              <a:shade val="50000"/>
+            </a:schemeClr>
+          </a:lnRef>
+          <a:fillRef idx="1">
+            <a:schemeClr val="accent1"/>
+          </a:fillRef>
+          <a:effectRef idx="0">
+            <a:schemeClr val="accent1"/>
+          </a:effectRef>
+          <a:fontRef idx="minor">
+            <a:schemeClr val="lt1"/>
+          </a:fontRef>
+        </p:style>
+        <p:txBody>
+          <a:bodyPr rtlCol="0" anchor="ctr"/>
+          <a:lstStyle/>
+          <a:p>
+            <a:pPr algn="ctr"/>
+            <a:endParaRPr lang="de-DE"/>
+          </a:p>
+        </p:txBody>
+      </p:sp>
+      <p:sp>
+        <p:nvSpPr>
+          <p:cNvPr id="43" name="Rechteck 42"/>
+          <p:cNvSpPr/>
+          <p:nvPr/>
+        </p:nvSpPr>
+        <p:spPr>
+          <a:xfrm>
+            <a:off x="3988465" y="4142354"/>
+            <a:ext cx="1094876" cy="1072622"/>
+          </a:xfrm>
+          <a:prstGeom prst="rect">
+            <a:avLst/>
+          </a:prstGeom>
+          <a:noFill/>
+          <a:ln>
+            <a:noFill/>
+          </a:ln>
+        </p:spPr>
+        <p:style>
+          <a:lnRef idx="2">
+            <a:schemeClr val="accent1">
+              <a:shade val="50000"/>
+            </a:schemeClr>
+          </a:lnRef>
+          <a:fillRef idx="1">
+            <a:schemeClr val="accent1"/>
+          </a:fillRef>
+          <a:effectRef idx="0">
+            <a:schemeClr val="accent1"/>
+          </a:effectRef>
+          <a:fontRef idx="minor">
+            <a:schemeClr val="lt1"/>
+          </a:fontRef>
+        </p:style>
+        <p:txBody>
+          <a:bodyPr rtlCol="0" anchor="ctr"/>
+          <a:lstStyle/>
+          <a:p>
+            <a:pPr algn="ctr"/>
+            <a:endParaRPr lang="de-DE"/>
+          </a:p>
+        </p:txBody>
+      </p:sp>
+      <p:sp>
+        <p:nvSpPr>
+          <p:cNvPr id="44" name="Rechteck 43"/>
+          <p:cNvSpPr/>
+          <p:nvPr/>
+        </p:nvSpPr>
+        <p:spPr>
+          <a:xfrm>
+            <a:off x="5474368" y="1285874"/>
+            <a:ext cx="477253" cy="432136"/>
+          </a:xfrm>
+          <a:prstGeom prst="rect">
+            <a:avLst/>
+          </a:prstGeom>
+          <a:noFill/>
+          <a:ln>
+            <a:noFill/>
+          </a:ln>
+        </p:spPr>
+        <p:style>
+          <a:lnRef idx="2">
+            <a:schemeClr val="accent1">
+              <a:shade val="50000"/>
+            </a:schemeClr>
+          </a:lnRef>
+          <a:fillRef idx="1">
+            <a:schemeClr val="accent1"/>
+          </a:fillRef>
+          <a:effectRef idx="0">
+            <a:schemeClr val="accent1"/>
+          </a:effectRef>
+          <a:fontRef idx="minor">
+            <a:schemeClr val="lt1"/>
+          </a:fontRef>
+        </p:style>
+        <p:txBody>
+          <a:bodyPr rtlCol="0" anchor="ctr"/>
+          <a:lstStyle/>
+          <a:p>
+            <a:pPr algn="ctr"/>
+            <a:endParaRPr lang="de-DE"/>
+          </a:p>
+        </p:txBody>
+      </p:sp>
+      <p:sp>
+        <p:nvSpPr>
+          <p:cNvPr id="45" name="Rechteck 44"/>
+          <p:cNvSpPr/>
+          <p:nvPr/>
+        </p:nvSpPr>
+        <p:spPr>
+          <a:xfrm>
+            <a:off x="6501061" y="4042494"/>
+            <a:ext cx="958518" cy="866390"/>
+          </a:xfrm>
+          <a:prstGeom prst="rect">
+            <a:avLst/>
+          </a:prstGeom>
+          <a:noFill/>
+          <a:ln>
+            <a:noFill/>
+          </a:ln>
+        </p:spPr>
+        <p:style>
+          <a:lnRef idx="2">
+            <a:schemeClr val="accent1">
+              <a:shade val="50000"/>
+            </a:schemeClr>
+          </a:lnRef>
+          <a:fillRef idx="1">
+            <a:schemeClr val="accent1"/>
+          </a:fillRef>
+          <a:effectRef idx="0">
+            <a:schemeClr val="accent1"/>
+          </a:effectRef>
+          <a:fontRef idx="minor">
+            <a:schemeClr val="lt1"/>
+          </a:fontRef>
+        </p:style>
+        <p:txBody>
+          <a:bodyPr rtlCol="0" anchor="ctr"/>
+          <a:lstStyle/>
+          <a:p>
+            <a:pPr algn="ctr"/>
+            <a:endParaRPr lang="de-DE"/>
+          </a:p>
+        </p:txBody>
+      </p:sp>
+    </p:spTree>
+    <p:extLst>
+      <p:ext uri="{BB962C8B-B14F-4D97-AF65-F5344CB8AC3E}">
+        <p14:creationId xmlns:p14="http://schemas.microsoft.com/office/powerpoint/2010/main" val="1442117834"/>
+      </p:ext>
+    </p:extLst>
+  </p:cSld>
+  <p:clrMapOvr>
+    <a:masterClrMapping/>
+  </p:clrMapOvr>
+  <p:timing>
+    <p:tnLst>
+      <p:par>
+        <p:cTn id="1" dur="indefinite" restart="never" nodeType="tmRoot"/>
+      </p:par>
+    </p:tnLst>
+  </p:timing>
+</p:sld>
+</file>
+
+<file path=ppt/slides/slide2.xml><?xml version="1.0" encoding="utf-8"?>
 <p:sld xmlns:a="http://schemas.openxmlformats.org/drawingml/2006/main" xmlns:r="http://schemas.openxmlformats.org/officeDocument/2006/relationships" xmlns:p="http://schemas.openxmlformats.org/presentationml/2006/main">
   <p:cSld>
     <p:spTree>
@@ -2966,65 +4738,21 @@
       </p:grpSpPr>
       <p:sp>
         <p:nvSpPr>
-          <p:cNvPr id="4" name="Abgerundetes Rechteck 3"/>
+          <p:cNvPr id="9" name="Rechteck 8"/>
           <p:cNvSpPr/>
           <p:nvPr/>
         </p:nvSpPr>
         <p:spPr>
           <a:xfrm>
-            <a:off x="2430379" y="1066800"/>
-            <a:ext cx="954505" cy="954505"/>
-          </a:xfrm>
-          <a:prstGeom prst="roundRect">
-            <a:avLst/>
-          </a:prstGeom>
-        </p:spPr>
-        <p:style>
-          <a:lnRef idx="2">
-            <a:schemeClr val="dk1">
-              <a:shade val="50000"/>
-            </a:schemeClr>
-          </a:lnRef>
-          <a:fillRef idx="1">
-            <a:schemeClr val="dk1"/>
-          </a:fillRef>
-          <a:effectRef idx="0">
-            <a:schemeClr val="dk1"/>
-          </a:effectRef>
-          <a:fontRef idx="minor">
-            <a:schemeClr val="lt1"/>
-          </a:fontRef>
-        </p:style>
-        <p:txBody>
-          <a:bodyPr rtlCol="0" anchor="ctr"/>
-          <a:lstStyle/>
-          <a:p>
-            <a:pPr algn="ctr"/>
-            <a:endParaRPr lang="de-DE"/>
-          </a:p>
-        </p:txBody>
-      </p:sp>
-      <p:sp>
-        <p:nvSpPr>
-          <p:cNvPr id="5" name="Rechteck 4"/>
-          <p:cNvSpPr/>
-          <p:nvPr/>
-        </p:nvSpPr>
-        <p:spPr>
-          <a:xfrm>
-            <a:off x="2498556" y="1544052"/>
-            <a:ext cx="818148" cy="393032"/>
+            <a:off x="1748589" y="681789"/>
+            <a:ext cx="1532022" cy="1515979"/>
           </a:xfrm>
           <a:prstGeom prst="rect">
             <a:avLst/>
           </a:prstGeom>
-          <a:solidFill>
-            <a:schemeClr val="bg1"/>
-          </a:solidFill>
+          <a:noFill/>
           <a:ln>
-            <a:solidFill>
-              <a:schemeClr val="tx1"/>
-            </a:solidFill>
+            <a:noFill/>
           </a:ln>
         </p:spPr>
         <p:style>
@@ -3048,46 +4776,138 @@
           <a:lstStyle/>
           <a:p>
             <a:pPr algn="ctr"/>
-            <a:r>
-              <a:rPr lang="de-DE" b="1" dirty="0" smtClean="0">
-                <a:solidFill>
-                  <a:schemeClr val="tx1"/>
-                </a:solidFill>
-                <a:latin typeface="Arial" panose="020B0604020202020204" pitchFamily="34" charset="0"/>
-                <a:cs typeface="Arial" panose="020B0604020202020204" pitchFamily="34" charset="0"/>
-              </a:rPr>
-              <a:t>PRO</a:t>
-            </a:r>
-            <a:endParaRPr lang="de-DE" b="1" dirty="0">
-              <a:solidFill>
-                <a:schemeClr val="tx1"/>
-              </a:solidFill>
-              <a:latin typeface="Arial" panose="020B0604020202020204" pitchFamily="34" charset="0"/>
-              <a:cs typeface="Arial" panose="020B0604020202020204" pitchFamily="34" charset="0"/>
-            </a:endParaRPr>
-          </a:p>
-        </p:txBody>
-      </p:sp>
-      <p:sp>
-        <p:nvSpPr>
-          <p:cNvPr id="6" name="Rechteck 5"/>
+            <a:endParaRPr lang="de-DE"/>
+          </a:p>
+        </p:txBody>
+      </p:sp>
+      <p:cxnSp>
+        <p:nvCxnSpPr>
+          <p:cNvPr id="5" name="Gerade Verbindung mit Pfeil 4"/>
+          <p:cNvCxnSpPr/>
+          <p:nvPr/>
+        </p:nvCxnSpPr>
+        <p:spPr>
+          <a:xfrm>
+            <a:off x="1949116" y="1989221"/>
+            <a:ext cx="1211179" cy="8021"/>
+          </a:xfrm>
+          <a:prstGeom prst="straightConnector1">
+            <a:avLst/>
+          </a:prstGeom>
+          <a:ln w="38100">
+            <a:solidFill>
+              <a:schemeClr val="tx1"/>
+            </a:solidFill>
+            <a:tailEnd type="triangle"/>
+          </a:ln>
+        </p:spPr>
+        <p:style>
+          <a:lnRef idx="1">
+            <a:schemeClr val="accent1"/>
+          </a:lnRef>
+          <a:fillRef idx="0">
+            <a:schemeClr val="accent1"/>
+          </a:fillRef>
+          <a:effectRef idx="0">
+            <a:schemeClr val="accent1"/>
+          </a:effectRef>
+          <a:fontRef idx="minor">
+            <a:schemeClr val="tx1"/>
+          </a:fontRef>
+        </p:style>
+      </p:cxnSp>
+      <p:cxnSp>
+        <p:nvCxnSpPr>
+          <p:cNvPr id="7" name="Gerade Verbindung mit Pfeil 6"/>
+          <p:cNvCxnSpPr/>
+          <p:nvPr/>
+        </p:nvCxnSpPr>
+        <p:spPr>
+          <a:xfrm flipV="1">
+            <a:off x="1949116" y="898358"/>
+            <a:ext cx="0" cy="1098884"/>
+          </a:xfrm>
+          <a:prstGeom prst="straightConnector1">
+            <a:avLst/>
+          </a:prstGeom>
+          <a:ln w="38100">
+            <a:solidFill>
+              <a:schemeClr val="tx1"/>
+            </a:solidFill>
+            <a:tailEnd type="triangle"/>
+          </a:ln>
+        </p:spPr>
+        <p:style>
+          <a:lnRef idx="1">
+            <a:schemeClr val="accent1"/>
+          </a:lnRef>
+          <a:fillRef idx="0">
+            <a:schemeClr val="accent1"/>
+          </a:fillRef>
+          <a:effectRef idx="0">
+            <a:schemeClr val="accent1"/>
+          </a:effectRef>
+          <a:fontRef idx="minor">
+            <a:schemeClr val="tx1"/>
+          </a:fontRef>
+        </p:style>
+      </p:cxnSp>
+      <p:sp>
+        <p:nvSpPr>
+          <p:cNvPr id="8" name="Freihandform 7"/>
           <p:cNvSpPr/>
           <p:nvPr/>
         </p:nvSpPr>
         <p:spPr>
           <a:xfrm>
-            <a:off x="2634913" y="1066800"/>
-            <a:ext cx="589549" cy="435142"/>
-          </a:xfrm>
-          <a:prstGeom prst="rect">
+            <a:off x="1965158" y="1010653"/>
+            <a:ext cx="994610" cy="970547"/>
+          </a:xfrm>
+          <a:custGeom>
             <a:avLst/>
-          </a:prstGeom>
-          <a:solidFill>
-            <a:schemeClr val="bg1"/>
-          </a:solidFill>
-          <a:ln>
+            <a:gdLst>
+              <a:gd name="connsiteX0" fmla="*/ 0 w 994610"/>
+              <a:gd name="connsiteY0" fmla="*/ 970547 h 970547"/>
+              <a:gd name="connsiteX1" fmla="*/ 232610 w 994610"/>
+              <a:gd name="connsiteY1" fmla="*/ 272715 h 970547"/>
+              <a:gd name="connsiteX2" fmla="*/ 994610 w 994610"/>
+              <a:gd name="connsiteY2" fmla="*/ 0 h 970547"/>
+            </a:gdLst>
+            <a:ahLst/>
+            <a:cxnLst>
+              <a:cxn ang="0">
+                <a:pos x="connsiteX0" y="connsiteY0"/>
+              </a:cxn>
+              <a:cxn ang="0">
+                <a:pos x="connsiteX1" y="connsiteY1"/>
+              </a:cxn>
+              <a:cxn ang="0">
+                <a:pos x="connsiteX2" y="connsiteY2"/>
+              </a:cxn>
+            </a:cxnLst>
+            <a:rect l="l" t="t" r="r" b="b"/>
+            <a:pathLst>
+              <a:path w="994610" h="970547">
+                <a:moveTo>
+                  <a:pt x="0" y="970547"/>
+                </a:moveTo>
+                <a:cubicBezTo>
+                  <a:pt x="33421" y="702510"/>
+                  <a:pt x="66842" y="434473"/>
+                  <a:pt x="232610" y="272715"/>
+                </a:cubicBezTo>
+                <a:cubicBezTo>
+                  <a:pt x="398378" y="110957"/>
+                  <a:pt x="696494" y="55478"/>
+                  <a:pt x="994610" y="0"/>
+                </a:cubicBezTo>
+              </a:path>
+            </a:pathLst>
+          </a:custGeom>
+          <a:noFill/>
+          <a:ln w="38100">
             <a:solidFill>
-              <a:schemeClr val="tx1"/>
+              <a:schemeClr val="accent5"/>
             </a:solidFill>
           </a:ln>
         </p:spPr>
@@ -3116,108 +4936,128 @@
           </a:p>
         </p:txBody>
       </p:sp>
-      <p:sp>
-        <p:nvSpPr>
-          <p:cNvPr id="7" name="Rechteck 6"/>
-          <p:cNvSpPr/>
+      <p:cxnSp>
+        <p:nvCxnSpPr>
+          <p:cNvPr id="3" name="Gerader Verbinder 2"/>
+          <p:cNvCxnSpPr/>
           <p:nvPr/>
-        </p:nvSpPr>
-        <p:spPr>
-          <a:xfrm>
-            <a:off x="3060031" y="1123949"/>
-            <a:ext cx="120315" cy="320842"/>
-          </a:xfrm>
-          <a:prstGeom prst="rect">
+        </p:nvCxnSpPr>
+        <p:spPr>
+          <a:xfrm>
+            <a:off x="5406189" y="786063"/>
+            <a:ext cx="0" cy="1267326"/>
+          </a:xfrm>
+          <a:prstGeom prst="line">
             <a:avLst/>
           </a:prstGeom>
-        </p:spPr>
-        <p:style>
-          <a:lnRef idx="2">
-            <a:schemeClr val="dk1">
-              <a:shade val="50000"/>
-            </a:schemeClr>
-          </a:lnRef>
-          <a:fillRef idx="1">
-            <a:schemeClr val="dk1"/>
-          </a:fillRef>
-          <a:effectRef idx="0">
-            <a:schemeClr val="dk1"/>
-          </a:effectRef>
-          <a:fontRef idx="minor">
-            <a:schemeClr val="lt1"/>
-          </a:fontRef>
-        </p:style>
-        <p:txBody>
-          <a:bodyPr rtlCol="0" anchor="ctr"/>
-          <a:lstStyle/>
-          <a:p>
-            <a:pPr algn="ctr"/>
-            <a:endParaRPr lang="de-DE"/>
-          </a:p>
-        </p:txBody>
-      </p:sp>
-      <p:sp>
-        <p:nvSpPr>
-          <p:cNvPr id="20" name="Abgerundetes Rechteck 19"/>
-          <p:cNvSpPr/>
-          <p:nvPr/>
-        </p:nvSpPr>
-        <p:spPr>
-          <a:xfrm>
-            <a:off x="2430379" y="2634107"/>
-            <a:ext cx="954505" cy="954505"/>
-          </a:xfrm>
-          <a:prstGeom prst="roundRect">
-            <a:avLst/>
-          </a:prstGeom>
-        </p:spPr>
-        <p:style>
-          <a:lnRef idx="2">
-            <a:schemeClr val="dk1">
-              <a:shade val="50000"/>
-            </a:schemeClr>
-          </a:lnRef>
-          <a:fillRef idx="1">
-            <a:schemeClr val="dk1"/>
-          </a:fillRef>
-          <a:effectRef idx="0">
-            <a:schemeClr val="dk1"/>
-          </a:effectRef>
-          <a:fontRef idx="minor">
-            <a:schemeClr val="lt1"/>
-          </a:fontRef>
-        </p:style>
-        <p:txBody>
-          <a:bodyPr rtlCol="0" anchor="ctr"/>
-          <a:lstStyle/>
-          <a:p>
-            <a:pPr algn="ctr"/>
-            <a:endParaRPr lang="de-DE"/>
-          </a:p>
-        </p:txBody>
-      </p:sp>
-      <p:sp>
-        <p:nvSpPr>
-          <p:cNvPr id="21" name="Rechteck 20"/>
-          <p:cNvSpPr/>
-          <p:nvPr/>
-        </p:nvSpPr>
-        <p:spPr>
-          <a:xfrm>
-            <a:off x="2498556" y="3111359"/>
-            <a:ext cx="818148" cy="393032"/>
-          </a:xfrm>
-          <a:prstGeom prst="rect">
-            <a:avLst/>
-          </a:prstGeom>
-          <a:solidFill>
-            <a:schemeClr val="bg1"/>
-          </a:solidFill>
-          <a:ln>
+          <a:ln w="57150">
             <a:solidFill>
               <a:schemeClr val="tx1"/>
             </a:solidFill>
           </a:ln>
+        </p:spPr>
+        <p:style>
+          <a:lnRef idx="1">
+            <a:schemeClr val="accent1"/>
+          </a:lnRef>
+          <a:fillRef idx="0">
+            <a:schemeClr val="accent1"/>
+          </a:fillRef>
+          <a:effectRef idx="0">
+            <a:schemeClr val="accent1"/>
+          </a:effectRef>
+          <a:fontRef idx="minor">
+            <a:schemeClr val="tx1"/>
+          </a:fontRef>
+        </p:style>
+      </p:cxnSp>
+      <p:cxnSp>
+        <p:nvCxnSpPr>
+          <p:cNvPr id="10" name="Gerader Verbinder 9"/>
+          <p:cNvCxnSpPr/>
+          <p:nvPr/>
+        </p:nvCxnSpPr>
+        <p:spPr>
+          <a:xfrm flipH="1">
+            <a:off x="5406190" y="1495926"/>
+            <a:ext cx="681789" cy="8021"/>
+          </a:xfrm>
+          <a:prstGeom prst="line">
+            <a:avLst/>
+          </a:prstGeom>
+          <a:ln w="57150">
+            <a:solidFill>
+              <a:schemeClr val="tx1"/>
+            </a:solidFill>
+          </a:ln>
+        </p:spPr>
+        <p:style>
+          <a:lnRef idx="1">
+            <a:schemeClr val="accent1"/>
+          </a:lnRef>
+          <a:fillRef idx="0">
+            <a:schemeClr val="accent1"/>
+          </a:fillRef>
+          <a:effectRef idx="0">
+            <a:schemeClr val="accent1"/>
+          </a:effectRef>
+          <a:fontRef idx="minor">
+            <a:schemeClr val="tx1"/>
+          </a:fontRef>
+        </p:style>
+      </p:cxnSp>
+      <p:cxnSp>
+        <p:nvCxnSpPr>
+          <p:cNvPr id="13" name="Gerader Verbinder 12"/>
+          <p:cNvCxnSpPr/>
+          <p:nvPr/>
+        </p:nvCxnSpPr>
+        <p:spPr>
+          <a:xfrm flipV="1">
+            <a:off x="6087979" y="1467351"/>
+            <a:ext cx="0" cy="586038"/>
+          </a:xfrm>
+          <a:prstGeom prst="line">
+            <a:avLst/>
+          </a:prstGeom>
+          <a:ln w="57150">
+            <a:solidFill>
+              <a:schemeClr val="tx1"/>
+            </a:solidFill>
+          </a:ln>
+        </p:spPr>
+        <p:style>
+          <a:lnRef idx="1">
+            <a:schemeClr val="accent1"/>
+          </a:lnRef>
+          <a:fillRef idx="0">
+            <a:schemeClr val="accent1"/>
+          </a:fillRef>
+          <a:effectRef idx="0">
+            <a:schemeClr val="accent1"/>
+          </a:effectRef>
+          <a:fontRef idx="minor">
+            <a:schemeClr val="tx1"/>
+          </a:fontRef>
+        </p:style>
+      </p:cxnSp>
+      <p:sp>
+        <p:nvSpPr>
+          <p:cNvPr id="16" name="Ellipse 15"/>
+          <p:cNvSpPr/>
+          <p:nvPr/>
+        </p:nvSpPr>
+        <p:spPr>
+          <a:xfrm>
+            <a:off x="5324037" y="1419663"/>
+            <a:ext cx="164306" cy="168568"/>
+          </a:xfrm>
+          <a:prstGeom prst="ellipse">
+            <a:avLst/>
+          </a:prstGeom>
+          <a:solidFill>
+            <a:srgbClr val="FF0000"/>
+          </a:solidFill>
         </p:spPr>
         <p:style>
           <a:lnRef idx="2">
@@ -3240,48 +5080,27 @@
           <a:lstStyle/>
           <a:p>
             <a:pPr algn="ctr"/>
-            <a:r>
-              <a:rPr lang="de-DE" b="1" dirty="0" smtClean="0">
-                <a:solidFill>
-                  <a:schemeClr val="tx1"/>
-                </a:solidFill>
-                <a:latin typeface="Arial" panose="020B0604020202020204" pitchFamily="34" charset="0"/>
-                <a:cs typeface="Arial" panose="020B0604020202020204" pitchFamily="34" charset="0"/>
-              </a:rPr>
-              <a:t>HYD</a:t>
-            </a:r>
-            <a:endParaRPr lang="de-DE" b="1" dirty="0">
-              <a:solidFill>
-                <a:schemeClr val="tx1"/>
-              </a:solidFill>
-              <a:latin typeface="Arial" panose="020B0604020202020204" pitchFamily="34" charset="0"/>
-              <a:cs typeface="Arial" panose="020B0604020202020204" pitchFamily="34" charset="0"/>
-            </a:endParaRPr>
-          </a:p>
-        </p:txBody>
-      </p:sp>
-      <p:sp>
-        <p:nvSpPr>
-          <p:cNvPr id="22" name="Rechteck 21"/>
+            <a:endParaRPr lang="de-DE"/>
+          </a:p>
+        </p:txBody>
+      </p:sp>
+      <p:sp>
+        <p:nvSpPr>
+          <p:cNvPr id="17" name="Ellipse 16"/>
           <p:cNvSpPr/>
           <p:nvPr/>
         </p:nvSpPr>
         <p:spPr>
           <a:xfrm>
-            <a:off x="2634913" y="2634107"/>
-            <a:ext cx="589549" cy="435142"/>
-          </a:xfrm>
-          <a:prstGeom prst="rect">
+            <a:off x="5324036" y="1961084"/>
+            <a:ext cx="164306" cy="168568"/>
+          </a:xfrm>
+          <a:prstGeom prst="ellipse">
             <a:avLst/>
           </a:prstGeom>
           <a:solidFill>
-            <a:schemeClr val="bg1"/>
+            <a:srgbClr val="00B0F0"/>
           </a:solidFill>
-          <a:ln>
-            <a:solidFill>
-              <a:schemeClr val="tx1"/>
-            </a:solidFill>
-          </a:ln>
         </p:spPr>
         <p:style>
           <a:lnRef idx="2">
@@ -3310,106 +5129,21 @@
       </p:sp>
       <p:sp>
         <p:nvSpPr>
-          <p:cNvPr id="23" name="Rechteck 22"/>
+          <p:cNvPr id="18" name="Ellipse 17"/>
           <p:cNvSpPr/>
           <p:nvPr/>
         </p:nvSpPr>
         <p:spPr>
           <a:xfrm>
-            <a:off x="3060031" y="2691256"/>
-            <a:ext cx="120315" cy="320842"/>
-          </a:xfrm>
-          <a:prstGeom prst="rect">
-            <a:avLst/>
-          </a:prstGeom>
-        </p:spPr>
-        <p:style>
-          <a:lnRef idx="2">
-            <a:schemeClr val="dk1">
-              <a:shade val="50000"/>
-            </a:schemeClr>
-          </a:lnRef>
-          <a:fillRef idx="1">
-            <a:schemeClr val="dk1"/>
-          </a:fillRef>
-          <a:effectRef idx="0">
-            <a:schemeClr val="dk1"/>
-          </a:effectRef>
-          <a:fontRef idx="minor">
-            <a:schemeClr val="lt1"/>
-          </a:fontRef>
-        </p:style>
-        <p:txBody>
-          <a:bodyPr rtlCol="0" anchor="ctr"/>
-          <a:lstStyle/>
-          <a:p>
-            <a:pPr algn="ctr"/>
-            <a:endParaRPr lang="de-DE"/>
-          </a:p>
-        </p:txBody>
-      </p:sp>
-      <p:sp>
-        <p:nvSpPr>
-          <p:cNvPr id="25" name="Abgerundetes Rechteck 24"/>
-          <p:cNvSpPr/>
-          <p:nvPr/>
-        </p:nvSpPr>
-        <p:spPr>
-          <a:xfrm>
-            <a:off x="2430379" y="4201414"/>
-            <a:ext cx="954505" cy="954505"/>
-          </a:xfrm>
-          <a:prstGeom prst="roundRect">
-            <a:avLst/>
-          </a:prstGeom>
-        </p:spPr>
-        <p:style>
-          <a:lnRef idx="2">
-            <a:schemeClr val="dk1">
-              <a:shade val="50000"/>
-            </a:schemeClr>
-          </a:lnRef>
-          <a:fillRef idx="1">
-            <a:schemeClr val="dk1"/>
-          </a:fillRef>
-          <a:effectRef idx="0">
-            <a:schemeClr val="dk1"/>
-          </a:effectRef>
-          <a:fontRef idx="minor">
-            <a:schemeClr val="lt1"/>
-          </a:fontRef>
-        </p:style>
-        <p:txBody>
-          <a:bodyPr rtlCol="0" anchor="ctr"/>
-          <a:lstStyle/>
-          <a:p>
-            <a:pPr algn="ctr"/>
-            <a:endParaRPr lang="de-DE"/>
-          </a:p>
-        </p:txBody>
-      </p:sp>
-      <p:sp>
-        <p:nvSpPr>
-          <p:cNvPr id="26" name="Rechteck 25"/>
-          <p:cNvSpPr/>
-          <p:nvPr/>
-        </p:nvSpPr>
-        <p:spPr>
-          <a:xfrm>
-            <a:off x="2498556" y="4678666"/>
-            <a:ext cx="818148" cy="393032"/>
-          </a:xfrm>
-          <a:prstGeom prst="rect">
+            <a:off x="5324036" y="785937"/>
+            <a:ext cx="164306" cy="168568"/>
+          </a:xfrm>
+          <a:prstGeom prst="ellipse">
             <a:avLst/>
           </a:prstGeom>
           <a:solidFill>
-            <a:schemeClr val="bg1"/>
+            <a:srgbClr val="00B0F0"/>
           </a:solidFill>
-          <a:ln>
-            <a:solidFill>
-              <a:schemeClr val="tx1"/>
-            </a:solidFill>
-          </a:ln>
         </p:spPr>
         <p:style>
           <a:lnRef idx="2">
@@ -3432,38 +5166,27 @@
           <a:lstStyle/>
           <a:p>
             <a:pPr algn="ctr"/>
-            <a:endParaRPr lang="de-DE" b="1" dirty="0">
-              <a:solidFill>
-                <a:schemeClr val="tx1"/>
-              </a:solidFill>
-              <a:latin typeface="Arial" panose="020B0604020202020204" pitchFamily="34" charset="0"/>
-              <a:cs typeface="Arial" panose="020B0604020202020204" pitchFamily="34" charset="0"/>
-            </a:endParaRPr>
-          </a:p>
-        </p:txBody>
-      </p:sp>
-      <p:sp>
-        <p:nvSpPr>
-          <p:cNvPr id="27" name="Rechteck 26"/>
+            <a:endParaRPr lang="de-DE"/>
+          </a:p>
+        </p:txBody>
+      </p:sp>
+      <p:sp>
+        <p:nvSpPr>
+          <p:cNvPr id="19" name="Ellipse 18"/>
           <p:cNvSpPr/>
           <p:nvPr/>
         </p:nvSpPr>
         <p:spPr>
           <a:xfrm>
-            <a:off x="2634913" y="4201414"/>
-            <a:ext cx="589549" cy="435142"/>
-          </a:xfrm>
-          <a:prstGeom prst="rect">
+            <a:off x="5706008" y="1411642"/>
+            <a:ext cx="164306" cy="168568"/>
+          </a:xfrm>
+          <a:prstGeom prst="ellipse">
             <a:avLst/>
           </a:prstGeom>
           <a:solidFill>
-            <a:schemeClr val="bg1"/>
+            <a:srgbClr val="00B0F0"/>
           </a:solidFill>
-          <a:ln>
-            <a:solidFill>
-              <a:schemeClr val="tx1"/>
-            </a:solidFill>
-          </a:ln>
         </p:spPr>
         <p:style>
           <a:lnRef idx="2">
@@ -3492,30 +5215,33 @@
       </p:sp>
       <p:sp>
         <p:nvSpPr>
-          <p:cNvPr id="28" name="Rechteck 27"/>
+          <p:cNvPr id="20" name="Ellipse 19"/>
           <p:cNvSpPr/>
           <p:nvPr/>
         </p:nvSpPr>
         <p:spPr>
           <a:xfrm>
-            <a:off x="3060031" y="4258563"/>
-            <a:ext cx="120315" cy="320842"/>
-          </a:xfrm>
-          <a:prstGeom prst="rect">
+            <a:off x="6005826" y="1960207"/>
+            <a:ext cx="164306" cy="168568"/>
+          </a:xfrm>
+          <a:prstGeom prst="ellipse">
             <a:avLst/>
           </a:prstGeom>
+          <a:solidFill>
+            <a:srgbClr val="00B0F0"/>
+          </a:solidFill>
         </p:spPr>
         <p:style>
           <a:lnRef idx="2">
-            <a:schemeClr val="dk1">
+            <a:schemeClr val="accent1">
               <a:shade val="50000"/>
             </a:schemeClr>
           </a:lnRef>
           <a:fillRef idx="1">
-            <a:schemeClr val="dk1"/>
+            <a:schemeClr val="accent1"/>
           </a:fillRef>
           <a:effectRef idx="0">
-            <a:schemeClr val="dk1"/>
+            <a:schemeClr val="accent1"/>
           </a:effectRef>
           <a:fontRef idx="minor">
             <a:schemeClr val="lt1"/>
@@ -3530,10 +5256,54 @@
           </a:p>
         </p:txBody>
       </p:sp>
+      <p:sp>
+        <p:nvSpPr>
+          <p:cNvPr id="21" name="Rechteck 20"/>
+          <p:cNvSpPr/>
+          <p:nvPr/>
+        </p:nvSpPr>
+        <p:spPr>
+          <a:xfrm>
+            <a:off x="5324036" y="785937"/>
+            <a:ext cx="846096" cy="1342838"/>
+          </a:xfrm>
+          <a:prstGeom prst="rect">
+            <a:avLst/>
+          </a:prstGeom>
+          <a:noFill/>
+          <a:ln>
+            <a:noFill/>
+          </a:ln>
+        </p:spPr>
+        <p:style>
+          <a:lnRef idx="2">
+            <a:schemeClr val="accent1">
+              <a:shade val="50000"/>
+            </a:schemeClr>
+          </a:lnRef>
+          <a:fillRef idx="1">
+            <a:schemeClr val="accent1"/>
+          </a:fillRef>
+          <a:effectRef idx="0">
+            <a:schemeClr val="accent1"/>
+          </a:effectRef>
+          <a:fontRef idx="minor">
+            <a:schemeClr val="lt1"/>
+          </a:fontRef>
+        </p:style>
+        <p:txBody>
+          <a:bodyPr rtlCol="0" anchor="ctr"/>
+          <a:lstStyle/>
+          <a:p>
+            <a:pPr algn="ctr"/>
+            <a:endParaRPr lang="de-DE"/>
+          </a:p>
+        </p:txBody>
+      </p:sp>
     </p:spTree>
     <p:extLst>
       <p:ext uri="{BB962C8B-B14F-4D97-AF65-F5344CB8AC3E}">
-        <p14:creationId xmlns:p14="http://schemas.microsoft.com/office/powerpoint/2010/main" val="1442117834"/>
+        <p14:creationId xmlns:p14="http://schemas.microsoft.com/office/powerpoint/2010/main" val="826001523"/>
       </p:ext>
     </p:extLst>
   </p:cSld>
